--- a/powerpoint/powerpoint.pptx
+++ b/powerpoint/powerpoint.pptx
@@ -132,6 +132,9 @@
         </p15:guide>
       </p15:sldGuideLst>
     </p:ext>
+    <p:ext uri="{2D200454-40CA-4A62-9FC3-DE9A4176ACB9}">
+      <p15:notesGuideLst xmlns:p15="http://schemas.microsoft.com/office/powerpoint/2012/main"/>
+    </p:ext>
   </p:extLst>
 </p:presentation>
 </file>
@@ -149,7 +152,7 @@
   <pc:docChgLst>
     <pc:chgData name="George Paxat" userId="4bc738bd57e5743b" providerId="LiveId" clId="{D0A13C30-61B8-4703-8629-FD529572C137}"/>
     <pc:docChg chg="undo redo custSel addSld delSld modSld sldOrd">
-      <pc:chgData name="George Paxat" userId="4bc738bd57e5743b" providerId="LiveId" clId="{D0A13C30-61B8-4703-8629-FD529572C137}" dt="2024-06-02T15:45:57.854" v="3057" actId="1076"/>
+      <pc:chgData name="George Paxat" userId="4bc738bd57e5743b" providerId="LiveId" clId="{D0A13C30-61B8-4703-8629-FD529572C137}" dt="2024-06-04T13:33:32.615" v="3060" actId="208"/>
       <pc:docMkLst>
         <pc:docMk/>
       </pc:docMkLst>
@@ -303,13 +306,13 @@
         </pc:picChg>
       </pc:sldChg>
       <pc:sldChg chg="addSp delSp modSp mod">
-        <pc:chgData name="George Paxat" userId="4bc738bd57e5743b" providerId="LiveId" clId="{D0A13C30-61B8-4703-8629-FD529572C137}" dt="2024-06-02T15:31:15.834" v="2426" actId="20577"/>
+        <pc:chgData name="George Paxat" userId="4bc738bd57e5743b" providerId="LiveId" clId="{D0A13C30-61B8-4703-8629-FD529572C137}" dt="2024-06-04T13:33:32.615" v="3060" actId="208"/>
         <pc:sldMkLst>
           <pc:docMk/>
           <pc:sldMk cId="116463531" sldId="260"/>
         </pc:sldMkLst>
-        <pc:spChg chg="mod">
-          <ac:chgData name="George Paxat" userId="4bc738bd57e5743b" providerId="LiveId" clId="{D0A13C30-61B8-4703-8629-FD529572C137}" dt="2024-06-02T15:31:15.834" v="2426" actId="20577"/>
+        <pc:spChg chg="mod ord">
+          <ac:chgData name="George Paxat" userId="4bc738bd57e5743b" providerId="LiveId" clId="{D0A13C30-61B8-4703-8629-FD529572C137}" dt="2024-06-04T13:33:32.615" v="3060" actId="208"/>
           <ac:spMkLst>
             <pc:docMk/>
             <pc:sldMk cId="116463531" sldId="260"/>
@@ -696,7 +699,7 @@
             <a:fld id="{6B948114-68A1-4287-AC3F-32E290DAB00A}" type="datetimeFigureOut">
               <a:rPr lang="en-US" smtClean="0"/>
               <a:pPr/>
-              <a:t>6/2/2024</a:t>
+              <a:t>6/4/2024</a:t>
             </a:fld>
             <a:endParaRPr lang="en-US"/>
           </a:p>
@@ -868,7 +871,7 @@
             <a:fld id="{E70BB701-3101-480F-9CF1-BB5FF4C72247}" type="datetimeFigureOut">
               <a:rPr lang="en-US" smtClean="0"/>
               <a:pPr/>
-              <a:t>6/2/2024</a:t>
+              <a:t>6/4/2024</a:t>
             </a:fld>
             <a:endParaRPr lang="en-US"/>
           </a:p>
@@ -2559,7 +2562,7 @@
             <a:fld id="{EE9E0EA6-77B3-4FC7-B955-CC8FC23785D0}" type="datetimeFigureOut">
               <a:rPr lang="en-US" smtClean="0"/>
               <a:pPr/>
-              <a:t>6/2/2024</a:t>
+              <a:t>6/4/2024</a:t>
             </a:fld>
             <a:endParaRPr lang="en-US"/>
           </a:p>
@@ -2729,7 +2732,7 @@
             <a:fld id="{EE9E0EA6-77B3-4FC7-B955-CC8FC23785D0}" type="datetimeFigureOut">
               <a:rPr lang="en-US" smtClean="0"/>
               <a:pPr/>
-              <a:t>6/2/2024</a:t>
+              <a:t>6/4/2024</a:t>
             </a:fld>
             <a:endParaRPr lang="en-US"/>
           </a:p>
@@ -2909,7 +2912,7 @@
             <a:fld id="{EE9E0EA6-77B3-4FC7-B955-CC8FC23785D0}" type="datetimeFigureOut">
               <a:rPr lang="en-US" smtClean="0"/>
               <a:pPr/>
-              <a:t>6/2/2024</a:t>
+              <a:t>6/4/2024</a:t>
             </a:fld>
             <a:endParaRPr lang="en-US"/>
           </a:p>
@@ -3079,7 +3082,7 @@
             <a:fld id="{EE9E0EA6-77B3-4FC7-B955-CC8FC23785D0}" type="datetimeFigureOut">
               <a:rPr lang="en-US" smtClean="0"/>
               <a:pPr/>
-              <a:t>6/2/2024</a:t>
+              <a:t>6/4/2024</a:t>
             </a:fld>
             <a:endParaRPr lang="en-US"/>
           </a:p>
@@ -3326,7 +3329,7 @@
             <a:fld id="{EE9E0EA6-77B3-4FC7-B955-CC8FC23785D0}" type="datetimeFigureOut">
               <a:rPr lang="en-US" smtClean="0"/>
               <a:pPr/>
-              <a:t>6/2/2024</a:t>
+              <a:t>6/4/2024</a:t>
             </a:fld>
             <a:endParaRPr lang="en-US"/>
           </a:p>
@@ -3557,7 +3560,7 @@
             <a:fld id="{EE9E0EA6-77B3-4FC7-B955-CC8FC23785D0}" type="datetimeFigureOut">
               <a:rPr lang="en-US" smtClean="0"/>
               <a:pPr/>
-              <a:t>6/2/2024</a:t>
+              <a:t>6/4/2024</a:t>
             </a:fld>
             <a:endParaRPr lang="en-US"/>
           </a:p>
@@ -3923,7 +3926,7 @@
             <a:fld id="{EE9E0EA6-77B3-4FC7-B955-CC8FC23785D0}" type="datetimeFigureOut">
               <a:rPr lang="en-US" smtClean="0"/>
               <a:pPr/>
-              <a:t>6/2/2024</a:t>
+              <a:t>6/4/2024</a:t>
             </a:fld>
             <a:endParaRPr lang="en-US"/>
           </a:p>
@@ -4042,7 +4045,7 @@
             <a:fld id="{EE9E0EA6-77B3-4FC7-B955-CC8FC23785D0}" type="datetimeFigureOut">
               <a:rPr lang="en-US" smtClean="0"/>
               <a:pPr/>
-              <a:t>6/2/2024</a:t>
+              <a:t>6/4/2024</a:t>
             </a:fld>
             <a:endParaRPr lang="en-US"/>
           </a:p>
@@ -4139,7 +4142,7 @@
             <a:fld id="{EE9E0EA6-77B3-4FC7-B955-CC8FC23785D0}" type="datetimeFigureOut">
               <a:rPr lang="en-US" smtClean="0"/>
               <a:pPr/>
-              <a:t>6/2/2024</a:t>
+              <a:t>6/4/2024</a:t>
             </a:fld>
             <a:endParaRPr lang="en-US"/>
           </a:p>
@@ -4416,7 +4419,7 @@
             <a:fld id="{EE9E0EA6-77B3-4FC7-B955-CC8FC23785D0}" type="datetimeFigureOut">
               <a:rPr lang="en-US" smtClean="0"/>
               <a:pPr/>
-              <a:t>6/2/2024</a:t>
+              <a:t>6/4/2024</a:t>
             </a:fld>
             <a:endParaRPr lang="en-US"/>
           </a:p>
@@ -4670,7 +4673,7 @@
             <a:fld id="{EE9E0EA6-77B3-4FC7-B955-CC8FC23785D0}" type="datetimeFigureOut">
               <a:rPr lang="en-US" smtClean="0"/>
               <a:pPr/>
-              <a:t>6/2/2024</a:t>
+              <a:t>6/4/2024</a:t>
             </a:fld>
             <a:endParaRPr lang="en-US"/>
           </a:p>
@@ -4883,7 +4886,7 @@
             <a:fld id="{EE9E0EA6-77B3-4FC7-B955-CC8FC23785D0}" type="datetimeFigureOut">
               <a:rPr lang="en-US" smtClean="0"/>
               <a:pPr/>
-              <a:t>6/2/2024</a:t>
+              <a:t>6/4/2024</a:t>
             </a:fld>
             <a:endParaRPr lang="en-US"/>
           </a:p>
@@ -7173,6 +7176,88 @@
       </p:grpSpPr>
       <p:sp>
         <p:nvSpPr>
+          <p:cNvPr id="3" name="Content Placeholder 2"/>
+          <p:cNvSpPr>
+            <a:spLocks noGrp="1"/>
+          </p:cNvSpPr>
+          <p:nvPr>
+            <p:ph idx="1"/>
+          </p:nvPr>
+        </p:nvSpPr>
+        <p:spPr>
+          <a:xfrm>
+            <a:off x="807984" y="1829600"/>
+            <a:ext cx="10515600" cy="4351338"/>
+          </a:xfrm>
+          <a:ln>
+            <a:solidFill>
+              <a:srgbClr val="FFFFFF"/>
+            </a:solidFill>
+          </a:ln>
+        </p:spPr>
+        <p:style>
+          <a:lnRef idx="2">
+            <a:schemeClr val="dk1"/>
+          </a:lnRef>
+          <a:fillRef idx="1">
+            <a:schemeClr val="lt1"/>
+          </a:fillRef>
+          <a:effectRef idx="0">
+            <a:schemeClr val="dk1"/>
+          </a:effectRef>
+          <a:fontRef idx="minor">
+            <a:schemeClr val="dk1"/>
+          </a:fontRef>
+        </p:style>
+        <p:txBody>
+          <a:bodyPr>
+            <a:normAutofit/>
+          </a:bodyPr>
+          <a:lstStyle/>
+          <a:p>
+            <a:r>
+              <a:rPr lang="el-GR" sz="1800" dirty="0">
+                <a:latin typeface="Verdana" panose="020B0604030504040204" pitchFamily="34" charset="0"/>
+                <a:ea typeface="Verdana" panose="020B0604030504040204" pitchFamily="34" charset="0"/>
+                <a:cs typeface="Verdana" panose="020B0604030504040204" pitchFamily="34" charset="0"/>
+              </a:rPr>
+              <a:t>Ανακαλεί τα δεδομένα εκπαίδευσης του</a:t>
+            </a:r>
+          </a:p>
+          <a:p>
+            <a:r>
+              <a:rPr lang="el-GR" sz="1800" dirty="0">
+                <a:latin typeface="Verdana" panose="020B0604030504040204" pitchFamily="34" charset="0"/>
+                <a:ea typeface="Verdana" panose="020B0604030504040204" pitchFamily="34" charset="0"/>
+                <a:cs typeface="Verdana" panose="020B0604030504040204" pitchFamily="34" charset="0"/>
+              </a:rPr>
+              <a:t>Το προγραμματιστικό  μοντέλο διαθέτει 94% ακρίβεια κατά μέσο όρο </a:t>
+            </a:r>
+          </a:p>
+          <a:p>
+            <a:r>
+              <a:rPr lang="el-GR" sz="1800" dirty="0">
+                <a:latin typeface="Verdana" panose="020B0604030504040204" pitchFamily="34" charset="0"/>
+                <a:ea typeface="Verdana" panose="020B0604030504040204" pitchFamily="34" charset="0"/>
+                <a:cs typeface="Verdana" panose="020B0604030504040204" pitchFamily="34" charset="0"/>
+              </a:rPr>
+              <a:t>Δομή: Είσοδος εικόνας -&gt; Επεξεργασία -&gt; Έξοδος δικτύου/ Αποτέλεσμα</a:t>
+            </a:r>
+          </a:p>
+          <a:p>
+            <a:r>
+              <a:rPr lang="el-GR" sz="1800" dirty="0">
+                <a:latin typeface="Verdana" panose="020B0604030504040204" pitchFamily="34" charset="0"/>
+                <a:ea typeface="Verdana" panose="020B0604030504040204" pitchFamily="34" charset="0"/>
+                <a:cs typeface="Verdana" panose="020B0604030504040204" pitchFamily="34" charset="0"/>
+              </a:rPr>
+              <a:t>Αξιολόγηση ορθότητας αποτελέσματος</a:t>
+            </a:r>
+          </a:p>
+        </p:txBody>
+      </p:sp>
+      <p:sp>
+        <p:nvSpPr>
           <p:cNvPr id="2" name="Title 1"/>
           <p:cNvSpPr>
             <a:spLocks noGrp="1"/>
@@ -7202,80 +7287,6 @@
             <a:endParaRPr lang="en-US" sz="2800" dirty="0">
               <a:latin typeface="+mn-lt"/>
             </a:endParaRPr>
-          </a:p>
-        </p:txBody>
-      </p:sp>
-      <p:sp>
-        <p:nvSpPr>
-          <p:cNvPr id="3" name="Content Placeholder 2"/>
-          <p:cNvSpPr>
-            <a:spLocks noGrp="1"/>
-          </p:cNvSpPr>
-          <p:nvPr>
-            <p:ph idx="1"/>
-          </p:nvPr>
-        </p:nvSpPr>
-        <p:spPr>
-          <a:xfrm>
-            <a:off x="807984" y="1829600"/>
-            <a:ext cx="10515600" cy="4351338"/>
-          </a:xfrm>
-          <a:solidFill>
-            <a:srgbClr val="FFFFFF">
-              <a:shade val="85000"/>
-            </a:srgbClr>
-          </a:solidFill>
-          <a:ln>
-            <a:noFill/>
-          </a:ln>
-          <a:effectLst>
-            <a:reflection blurRad="12700" stA="38000" endPos="28000" dist="5000" dir="5400000" sy="-100000" algn="bl" rotWithShape="0"/>
-          </a:effectLst>
-        </p:spPr>
-        <p:txBody>
-          <a:bodyPr>
-            <a:normAutofit/>
-          </a:bodyPr>
-          <a:lstStyle/>
-          <a:p>
-            <a:r>
-              <a:rPr lang="el-GR" sz="1800" dirty="0">
-                <a:latin typeface="Verdana" panose="020B0604030504040204" pitchFamily="34" charset="0"/>
-                <a:ea typeface="Verdana" panose="020B0604030504040204" pitchFamily="34" charset="0"/>
-                <a:cs typeface="Verdana" panose="020B0604030504040204" pitchFamily="34" charset="0"/>
-              </a:rPr>
-              <a:t>Ανακαλεί τα δεδομένα εκπαίδευσης του</a:t>
-            </a:r>
-          </a:p>
-          <a:p>
-            <a:r>
-              <a:rPr lang="el-GR" sz="1800" dirty="0">
-                <a:latin typeface="Verdana" panose="020B0604030504040204" pitchFamily="34" charset="0"/>
-                <a:ea typeface="Verdana" panose="020B0604030504040204" pitchFamily="34" charset="0"/>
-                <a:cs typeface="Verdana" panose="020B0604030504040204" pitchFamily="34" charset="0"/>
-              </a:rPr>
-              <a:t>Το προγραμματιστικό  μοντέλο διαθέτει 94% ακρίβεια κατά μέσο όρο </a:t>
-            </a:r>
-          </a:p>
-          <a:p>
-            <a:r>
-              <a:rPr lang="el-GR" sz="1800" dirty="0">
-                <a:latin typeface="Verdana" panose="020B0604030504040204" pitchFamily="34" charset="0"/>
-                <a:ea typeface="Verdana" panose="020B0604030504040204" pitchFamily="34" charset="0"/>
-                <a:cs typeface="Verdana" panose="020B0604030504040204" pitchFamily="34" charset="0"/>
-              </a:rPr>
-              <a:t>Δομή: Είσοδος εικόνας -&gt; Επεξεργασία -&gt; Έξοδος δικτύου/ Αποτέλεσμα</a:t>
-            </a:r>
-          </a:p>
-          <a:p>
-            <a:r>
-              <a:rPr lang="el-GR" sz="1800" dirty="0">
-                <a:latin typeface="Verdana" panose="020B0604030504040204" pitchFamily="34" charset="0"/>
-                <a:ea typeface="Verdana" panose="020B0604030504040204" pitchFamily="34" charset="0"/>
-                <a:cs typeface="Verdana" panose="020B0604030504040204" pitchFamily="34" charset="0"/>
-              </a:rPr>
-              <a:t>Αξιολόγηση ορθότητας αποτελέσματος</a:t>
-            </a:r>
           </a:p>
         </p:txBody>
       </p:sp>
